--- a/A11/Review 3/Review 3.pptx
+++ b/A11/Review 3/Review 3.pptx
@@ -12787,7 +12787,7 @@
               <a:pPr>
                 <a:defRPr/>
               </a:pPr>
-              <a:t>24-04-2020</a:t>
+              <a:t>30-04-2020</a:t>
             </a:fld>
             <a:endParaRPr lang="en-IN" altLang="en-US"/>
           </a:p>
@@ -13354,7 +13354,7 @@
               <a:pPr>
                 <a:defRPr/>
               </a:pPr>
-              <a:t>4/24/2020</a:t>
+              <a:t>4/30/2020</a:t>
             </a:fld>
             <a:endParaRPr lang="en-US" altLang="zh-CN"/>
           </a:p>
@@ -13570,7 +13570,7 @@
               <a:pPr>
                 <a:defRPr/>
               </a:pPr>
-              <a:t>4/24/2020</a:t>
+              <a:t>4/30/2020</a:t>
             </a:fld>
             <a:endParaRPr lang="en-US" altLang="zh-CN"/>
           </a:p>
@@ -13796,7 +13796,7 @@
               <a:pPr>
                 <a:defRPr/>
               </a:pPr>
-              <a:t>4/24/2020</a:t>
+              <a:t>4/30/2020</a:t>
             </a:fld>
             <a:endParaRPr lang="en-US" altLang="zh-CN"/>
           </a:p>
@@ -14012,7 +14012,7 @@
               <a:pPr>
                 <a:defRPr/>
               </a:pPr>
-              <a:t>4/24/2020</a:t>
+              <a:t>4/30/2020</a:t>
             </a:fld>
             <a:endParaRPr lang="en-US" altLang="zh-CN"/>
           </a:p>
@@ -14305,7 +14305,7 @@
               <a:pPr>
                 <a:defRPr/>
               </a:pPr>
-              <a:t>4/24/2020</a:t>
+              <a:t>4/30/2020</a:t>
             </a:fld>
             <a:endParaRPr lang="en-US" altLang="zh-CN"/>
           </a:p>
@@ -14582,7 +14582,7 @@
               <a:pPr>
                 <a:defRPr/>
               </a:pPr>
-              <a:t>4/24/2020</a:t>
+              <a:t>4/30/2020</a:t>
             </a:fld>
             <a:endParaRPr lang="en-US" altLang="zh-CN"/>
           </a:p>
@@ -14994,7 +14994,7 @@
               <a:pPr>
                 <a:defRPr/>
               </a:pPr>
-              <a:t>4/24/2020</a:t>
+              <a:t>4/30/2020</a:t>
             </a:fld>
             <a:endParaRPr lang="en-US" altLang="zh-CN"/>
           </a:p>
@@ -15159,7 +15159,7 @@
               <a:pPr>
                 <a:defRPr/>
               </a:pPr>
-              <a:t>4/24/2020</a:t>
+              <a:t>4/30/2020</a:t>
             </a:fld>
             <a:endParaRPr lang="en-US" altLang="zh-CN"/>
           </a:p>
@@ -15302,7 +15302,7 @@
               <a:pPr>
                 <a:defRPr/>
               </a:pPr>
-              <a:t>4/24/2020</a:t>
+              <a:t>4/30/2020</a:t>
             </a:fld>
             <a:endParaRPr lang="en-US" altLang="zh-CN"/>
           </a:p>
@@ -15625,7 +15625,7 @@
               <a:pPr>
                 <a:defRPr/>
               </a:pPr>
-              <a:t>4/24/2020</a:t>
+              <a:t>4/30/2020</a:t>
             </a:fld>
             <a:endParaRPr lang="en-US" altLang="zh-CN"/>
           </a:p>
@@ -15929,7 +15929,7 @@
               <a:pPr>
                 <a:defRPr/>
               </a:pPr>
-              <a:t>4/24/2020</a:t>
+              <a:t>4/30/2020</a:t>
             </a:fld>
             <a:endParaRPr lang="en-US" altLang="zh-CN"/>
           </a:p>
@@ -16253,7 +16253,7 @@
               <a:pPr>
                 <a:defRPr/>
               </a:pPr>
-              <a:t>4/24/2020</a:t>
+              <a:t>4/30/2020</a:t>
             </a:fld>
             <a:endParaRPr lang="en-US" altLang="zh-CN"/>
           </a:p>
@@ -17541,7 +17541,7 @@
                 </a:solidFill>
               </a:rPr>
               <a:pPr/>
-              <a:t>4/24/2020</a:t>
+              <a:t>4/30/2020</a:t>
             </a:fld>
             <a:endParaRPr lang="en-US" altLang="zh-CN">
               <a:solidFill>
@@ -18592,7 +18592,7 @@
                 </a:solidFill>
               </a:rPr>
               <a:pPr/>
-              <a:t>4/24/2020</a:t>
+              <a:t>4/30/2020</a:t>
             </a:fld>
             <a:endParaRPr lang="en-US" altLang="zh-CN">
               <a:solidFill>
@@ -18919,7 +18919,7 @@
               <a:pPr>
                 <a:defRPr/>
               </a:pPr>
-              <a:t>4/24/2020</a:t>
+              <a:t>4/30/2020</a:t>
             </a:fld>
             <a:endParaRPr lang="en-US" altLang="zh-CN"/>
           </a:p>
@@ -19097,7 +19097,7 @@
               <a:pPr>
                 <a:defRPr/>
               </a:pPr>
-              <a:t>4/24/2020</a:t>
+              <a:t>4/30/2020</a:t>
             </a:fld>
             <a:endParaRPr lang="en-US" altLang="zh-CN"/>
           </a:p>
@@ -19634,7 +19634,7 @@
               <a:pPr>
                 <a:defRPr/>
               </a:pPr>
-              <a:t>4/24/2020</a:t>
+              <a:t>4/30/2020</a:t>
             </a:fld>
             <a:endParaRPr lang="en-US" altLang="zh-CN"/>
           </a:p>
@@ -20202,7 +20202,7 @@
               <a:pPr>
                 <a:defRPr/>
               </a:pPr>
-              <a:t>4/24/2020</a:t>
+              <a:t>4/30/2020</a:t>
             </a:fld>
             <a:endParaRPr lang="en-US" altLang="zh-CN"/>
           </a:p>
@@ -21328,7 +21328,7 @@
               <a:pPr>
                 <a:defRPr/>
               </a:pPr>
-              <a:t>4/24/2020</a:t>
+              <a:t>4/30/2020</a:t>
             </a:fld>
             <a:endParaRPr lang="en-US" altLang="zh-CN"/>
           </a:p>
@@ -21588,7 +21588,7 @@
                 </a:solidFill>
               </a:rPr>
               <a:pPr/>
-              <a:t>4/24/2020</a:t>
+              <a:t>4/30/2020</a:t>
             </a:fld>
             <a:endParaRPr lang="en-US" altLang="zh-CN">
               <a:solidFill>
@@ -22257,7 +22257,7 @@
             <p:ph idx="1"/>
             <p:extLst>
               <p:ext uri="{D42A27DB-BD31-4B8C-83A1-F6EECF244321}">
-                <p14:modId xmlns:p14="http://schemas.microsoft.com/office/powerpoint/2010/main" val="3219413196"/>
+                <p14:modId xmlns:p14="http://schemas.microsoft.com/office/powerpoint/2010/main" val="3046350461"/>
               </p:ext>
             </p:extLst>
           </p:nvPr>
@@ -22863,7 +22863,7 @@
                 </a:solidFill>
               </a:rPr>
               <a:pPr/>
-              <a:t>4/24/2020</a:t>
+              <a:t>4/30/2020</a:t>
             </a:fld>
             <a:endParaRPr lang="en-US" altLang="zh-CN">
               <a:solidFill>
@@ -24143,7 +24143,7 @@
                 </a:solidFill>
               </a:rPr>
               <a:pPr/>
-              <a:t>4/24/2020</a:t>
+              <a:t>4/30/2020</a:t>
             </a:fld>
             <a:endParaRPr lang="en-US" altLang="zh-CN">
               <a:solidFill>
@@ -28890,7 +28890,7 @@
                 </a:solidFill>
               </a:rPr>
               <a:pPr/>
-              <a:t>4/24/2020</a:t>
+              <a:t>4/30/2020</a:t>
             </a:fld>
             <a:endParaRPr lang="en-US" altLang="zh-CN">
               <a:solidFill>
@@ -31015,7 +31015,7 @@
                 </a:solidFill>
               </a:rPr>
               <a:pPr/>
-              <a:t>4/24/2020</a:t>
+              <a:t>4/30/2020</a:t>
             </a:fld>
             <a:endParaRPr lang="en-US" altLang="zh-CN">
               <a:solidFill>
@@ -31521,7 +31521,7 @@
                 </a:solidFill>
               </a:rPr>
               <a:pPr/>
-              <a:t>4/24/2020</a:t>
+              <a:t>4/30/2020</a:t>
             </a:fld>
             <a:endParaRPr lang="en-US" altLang="zh-CN">
               <a:solidFill>
@@ -32564,7 +32564,7 @@
                 </a:solidFill>
               </a:rPr>
               <a:pPr/>
-              <a:t>4/24/2020</a:t>
+              <a:t>4/30/2020</a:t>
             </a:fld>
             <a:endParaRPr lang="en-US" altLang="zh-CN">
               <a:solidFill>
@@ -33143,7 +33143,7 @@
                 </a:solidFill>
               </a:rPr>
               <a:pPr/>
-              <a:t>4/24/2020</a:t>
+              <a:t>4/30/2020</a:t>
             </a:fld>
             <a:endParaRPr lang="en-US" altLang="zh-CN">
               <a:solidFill>
@@ -34932,7 +34932,7 @@
                 </a:solidFill>
               </a:rPr>
               <a:pPr/>
-              <a:t>4/24/2020</a:t>
+              <a:t>4/30/2020</a:t>
             </a:fld>
             <a:endParaRPr lang="en-US" altLang="zh-CN">
               <a:solidFill>
@@ -36595,7 +36595,7 @@
               <a:pPr>
                 <a:defRPr/>
               </a:pPr>
-              <a:t>4/24/2020</a:t>
+              <a:t>4/30/2020</a:t>
             </a:fld>
             <a:endParaRPr lang="en-US" altLang="zh-CN" dirty="0"/>
           </a:p>
@@ -38078,7 +38078,7 @@
               <a:pPr>
                 <a:defRPr/>
               </a:pPr>
-              <a:t>4/24/2020</a:t>
+              <a:t>4/30/2020</a:t>
             </a:fld>
             <a:endParaRPr lang="en-US" altLang="zh-CN"/>
           </a:p>
@@ -38323,7 +38323,7 @@
                 </a:solidFill>
               </a:rPr>
               <a:pPr/>
-              <a:t>4/24/2020</a:t>
+              <a:t>4/30/2020</a:t>
             </a:fld>
             <a:endParaRPr lang="en-US" altLang="zh-CN">
               <a:solidFill>
@@ -38848,7 +38848,7 @@
                 </a:solidFill>
               </a:rPr>
               <a:pPr/>
-              <a:t>4/24/2020</a:t>
+              <a:t>4/30/2020</a:t>
             </a:fld>
             <a:endParaRPr lang="en-US" altLang="zh-CN">
               <a:solidFill>
@@ -39426,7 +39426,7 @@
                 </a:solidFill>
               </a:rPr>
               <a:pPr/>
-              <a:t>4/24/2020</a:t>
+              <a:t>4/30/2020</a:t>
             </a:fld>
             <a:endParaRPr lang="en-US" altLang="zh-CN">
               <a:solidFill>
@@ -40082,7 +40082,7 @@
             <a:fld id="{7E3FDB0B-B014-4C47-949F-40696701F18D}" type="datetime1">
               <a:rPr lang="en-US" smtClean="0"/>
               <a:pPr/>
-              <a:t>4/24/2020</a:t>
+              <a:t>4/30/2020</a:t>
             </a:fld>
             <a:endParaRPr lang="en-US"/>
           </a:p>
@@ -40493,7 +40493,7 @@
                 </a:solidFill>
               </a:rPr>
               <a:pPr/>
-              <a:t>4/24/2020</a:t>
+              <a:t>4/30/2020</a:t>
             </a:fld>
             <a:endParaRPr lang="en-US" altLang="zh-CN">
               <a:solidFill>
@@ -40826,7 +40826,7 @@
               <a:pPr>
                 <a:defRPr/>
               </a:pPr>
-              <a:t>4/24/2020</a:t>
+              <a:t>4/30/2020</a:t>
             </a:fld>
             <a:endParaRPr lang="en-US" altLang="zh-CN"/>
           </a:p>
@@ -41076,7 +41076,7 @@
               <a:pPr>
                 <a:defRPr/>
               </a:pPr>
-              <a:t>4/24/2020</a:t>
+              <a:t>4/30/2020</a:t>
             </a:fld>
             <a:endParaRPr lang="en-US" altLang="zh-CN"/>
           </a:p>
@@ -41459,7 +41459,7 @@
                 </a:solidFill>
               </a:rPr>
               <a:pPr/>
-              <a:t>4/24/2020</a:t>
+              <a:t>4/30/2020</a:t>
             </a:fld>
             <a:endParaRPr lang="en-US" altLang="zh-CN">
               <a:solidFill>
